--- a/Coursework 2 Poster.pptx
+++ b/Coursework 2 Poster.pptx
@@ -22913,7 +22913,7 @@
         <p:spPr>
           <a:xfrm>
             <a:off x="1058785" y="4074786"/>
-            <a:ext cx="35504166" cy="1316771"/>
+            <a:ext cx="35504166" cy="480131"/>
           </a:xfrm>
         </p:spPr>
         <p:txBody>
@@ -22928,11 +22928,8 @@
               <a:rPr lang="en-US" altLang="zh-CN" dirty="0">
                 <a:hlinkClick r:id="rId3"/>
               </a:rPr>
-              <a:t>Luo2090411/Artificial-Intelligence-for-Sustainable-Development-CW2</a:t>
-            </a:r>
-            <a:endParaRPr lang="en-GB" altLang="zh-CN"/>
-          </a:p>
-          <a:p>
+              <a:t>Luo2090411/AIcw2</a:t>
+            </a:r>
             <a:endParaRPr lang="en-GB" dirty="0"/>
           </a:p>
         </p:txBody>
@@ -23200,7 +23197,7 @@
               <a:rPr lang="en-US" altLang="zh-CN" dirty="0">
                 <a:hlinkClick r:id="rId3"/>
               </a:rPr>
-              <a:t>Luo2090411/Artificial-Intelligence-for-Sustainable-Development-CW2</a:t>
+              <a:t>Luo2090411/AIcw2</a:t>
             </a:r>
             <a:endParaRPr lang="en-GB" dirty="0"/>
           </a:p>
@@ -24785,6 +24782,15 @@
 </file>
 
 <file path=customXml/item1.xml><?xml version="1.0" encoding="utf-8"?>
+<?mso-contentType ?>
+<FormTemplates xmlns="http://schemas.microsoft.com/sharepoint/v3/contenttype/forms">
+  <Display>DocumentLibraryForm</Display>
+  <Edit>DocumentLibraryForm</Edit>
+  <New>DocumentLibraryForm</New>
+</FormTemplates>
+</file>
+
+<file path=customXml/item2.xml><?xml version="1.0" encoding="utf-8"?>
 <ct:contentTypeSchema xmlns:ct="http://schemas.microsoft.com/office/2006/metadata/contentType" xmlns:ma="http://schemas.microsoft.com/office/2006/metadata/properties/metaAttributes" ct:_="" ma:_="" ma:contentTypeName="Document" ma:contentTypeID="0x010100994ADD47B68F244089BBDDC01A883908" ma:contentTypeVersion="13" ma:contentTypeDescription="Create a new document." ma:contentTypeScope="" ma:versionID="1a95ec089373963790b30efd154ab720">
   <xsd:schema xmlns:xsd="http://www.w3.org/2001/XMLSchema" xmlns:xs="http://www.w3.org/2001/XMLSchema" xmlns:p="http://schemas.microsoft.com/office/2006/metadata/properties" xmlns:ns3="d5fb6ed1-db9c-48a3-a5c6-9c2d850d1a1b" xmlns:ns4="31319a9f-c50a-4d3b-8fa9-492cace4e4c3" targetNamespace="http://schemas.microsoft.com/office/2006/metadata/properties" ma:root="true" ma:fieldsID="638ba751aff1c145b5af88aaaab0b652" ns3:_="" ns4:_="">
     <xsd:import namespace="d5fb6ed1-db9c-48a3-a5c6-9c2d850d1a1b"/>
@@ -25007,15 +25013,6 @@
 </ct:contentTypeSchema>
 </file>
 
-<file path=customXml/item2.xml><?xml version="1.0" encoding="utf-8"?>
-<?mso-contentType ?>
-<FormTemplates xmlns="http://schemas.microsoft.com/sharepoint/v3/contenttype/forms">
-  <Display>DocumentLibraryForm</Display>
-  <Edit>DocumentLibraryForm</Edit>
-  <New>DocumentLibraryForm</New>
-</FormTemplates>
-</file>
-
 <file path=customXml/item3.xml><?xml version="1.0" encoding="utf-8"?>
 <p:properties xmlns:p="http://schemas.microsoft.com/office/2006/metadata/properties" xmlns:xsi="http://www.w3.org/2001/XMLSchema-instance" xmlns:pc="http://schemas.microsoft.com/office/infopath/2007/PartnerControls">
   <documentManagement/>
@@ -25023,6 +25020,14 @@
 </file>
 
 <file path=customXml/itemProps1.xml><?xml version="1.0" encoding="utf-8"?>
+<ds:datastoreItem xmlns:ds="http://schemas.openxmlformats.org/officeDocument/2006/customXml" ds:itemID="{E74005A4-B56F-4752-B379-808441D9ECD6}">
+  <ds:schemaRefs>
+    <ds:schemaRef ds:uri="http://schemas.microsoft.com/sharepoint/v3/contenttype/forms"/>
+  </ds:schemaRefs>
+</ds:datastoreItem>
+</file>
+
+<file path=customXml/itemProps2.xml><?xml version="1.0" encoding="utf-8"?>
 <ds:datastoreItem xmlns:ds="http://schemas.openxmlformats.org/officeDocument/2006/customXml" ds:itemID="{3093D280-CC88-44B2-A27A-0AE5D325F8B8}">
   <ds:schemaRefs>
     <ds:schemaRef ds:uri="http://schemas.microsoft.com/office/2006/metadata/contentType"/>
@@ -25037,14 +25042,6 @@
     <ds:schemaRef ds:uri="http://purl.org/dc/elements/1.1/"/>
     <ds:schemaRef ds:uri="http://purl.org/dc/terms/"/>
     <ds:schemaRef ds:uri="http://schemas.microsoft.com/internal/obd"/>
-  </ds:schemaRefs>
-</ds:datastoreItem>
-</file>
-
-<file path=customXml/itemProps2.xml><?xml version="1.0" encoding="utf-8"?>
-<ds:datastoreItem xmlns:ds="http://schemas.openxmlformats.org/officeDocument/2006/customXml" ds:itemID="{E74005A4-B56F-4752-B379-808441D9ECD6}">
-  <ds:schemaRefs>
-    <ds:schemaRef ds:uri="http://schemas.microsoft.com/sharepoint/v3/contenttype/forms"/>
   </ds:schemaRefs>
 </ds:datastoreItem>
 </file>
